--- a/18-data-visualization/Contenido Semana 2/4.6. Presentación - Visualizaciones Estadísticas.pptx
+++ b/18-data-visualization/Contenido Semana 2/4.6. Presentación - Visualizaciones Estadísticas.pptx
@@ -5,35 +5,36 @@
     <p:sldMasterId id="2147483670" r:id="rId1"/>
   </p:sldMasterIdLst>
   <p:notesMasterIdLst>
-    <p:notesMasterId r:id="rId4"/>
+    <p:notesMasterId r:id="rId5"/>
   </p:notesMasterIdLst>
   <p:sldIdLst>
     <p:sldId id="282" r:id="rId2"/>
-    <p:sldId id="283" r:id="rId3"/>
+    <p:sldId id="284" r:id="rId3"/>
+    <p:sldId id="285" r:id="rId4"/>
   </p:sldIdLst>
   <p:sldSz cx="9144000" cy="6858000" type="screen4x3"/>
   <p:notesSz cx="6858000" cy="9144000"/>
   <p:embeddedFontLst>
     <p:embeddedFont>
       <p:font typeface="Montserrat" panose="020B0604020202020204" charset="0"/>
-      <p:regular r:id="rId5"/>
-      <p:bold r:id="rId6"/>
-      <p:italic r:id="rId7"/>
-      <p:boldItalic r:id="rId8"/>
+      <p:regular r:id="rId6"/>
+      <p:bold r:id="rId7"/>
+      <p:italic r:id="rId8"/>
+      <p:boldItalic r:id="rId9"/>
+    </p:embeddedFont>
+    <p:embeddedFont>
+      <p:font typeface="Calibri" panose="020F0502020204030204" pitchFamily="34" charset="0"/>
+      <p:regular r:id="rId10"/>
+      <p:bold r:id="rId11"/>
+      <p:italic r:id="rId12"/>
+      <p:boldItalic r:id="rId13"/>
     </p:embeddedFont>
     <p:embeddedFont>
       <p:font typeface="Raleway" panose="020B0604020202020204" charset="0"/>
-      <p:regular r:id="rId9"/>
-      <p:bold r:id="rId10"/>
-      <p:italic r:id="rId11"/>
-      <p:boldItalic r:id="rId12"/>
-    </p:embeddedFont>
-    <p:embeddedFont>
-      <p:font typeface="Calibri" panose="020F0502020204030204" pitchFamily="34" charset="0"/>
-      <p:regular r:id="rId13"/>
-      <p:bold r:id="rId14"/>
-      <p:italic r:id="rId15"/>
-      <p:boldItalic r:id="rId16"/>
+      <p:regular r:id="rId14"/>
+      <p:bold r:id="rId15"/>
+      <p:italic r:id="rId16"/>
+      <p:boldItalic r:id="rId17"/>
     </p:embeddedFont>
   </p:embeddedFontLst>
   <p:defaultTextStyle>
@@ -1318,7 +1319,113 @@
     </p:spTree>
     <p:extLst>
       <p:ext uri="{BB962C8B-B14F-4D97-AF65-F5344CB8AC3E}">
-        <p14:creationId xmlns:p14="http://schemas.microsoft.com/office/powerpoint/2010/main" val="2401736586"/>
+        <p14:creationId xmlns:p14="http://schemas.microsoft.com/office/powerpoint/2010/main" val="993191149"/>
+      </p:ext>
+    </p:extLst>
+  </p:cSld>
+  <p:clrMapOvr>
+    <a:masterClrMapping/>
+  </p:clrMapOvr>
+</p:notes>
+</file>
+
+<file path=ppt/notesSlides/notesSlide3.xml><?xml version="1.0" encoding="utf-8"?>
+<p:notes xmlns:a="http://schemas.openxmlformats.org/drawingml/2006/main" xmlns:r="http://schemas.openxmlformats.org/officeDocument/2006/relationships" xmlns:p="http://schemas.openxmlformats.org/presentationml/2006/main" showMasterSp="0" showMasterPhAnim="0">
+  <p:cSld>
+    <p:spTree>
+      <p:nvGrpSpPr>
+        <p:cNvPr id="1" name="Shape 389"/>
+        <p:cNvGrpSpPr/>
+        <p:nvPr/>
+      </p:nvGrpSpPr>
+      <p:grpSpPr>
+        <a:xfrm>
+          <a:off x="0" y="0"/>
+          <a:ext cx="0" cy="0"/>
+          <a:chOff x="0" y="0"/>
+          <a:chExt cx="0" cy="0"/>
+        </a:xfrm>
+      </p:grpSpPr>
+      <p:sp>
+        <p:nvSpPr>
+          <p:cNvPr id="390" name="Shape 390"/>
+          <p:cNvSpPr txBox="1">
+            <a:spLocks noGrp="1"/>
+          </p:cNvSpPr>
+          <p:nvPr>
+            <p:ph type="body" idx="1"/>
+          </p:nvPr>
+        </p:nvSpPr>
+        <p:spPr>
+          <a:xfrm>
+            <a:off x="685800" y="4343400"/>
+            <a:ext cx="5486400" cy="4114800"/>
+          </a:xfrm>
+          <a:prstGeom prst="rect">
+            <a:avLst/>
+          </a:prstGeom>
+        </p:spPr>
+        <p:txBody>
+          <a:bodyPr lIns="91425" tIns="91425" rIns="91425" bIns="91425" anchor="t" anchorCtr="0">
+            <a:noAutofit/>
+          </a:bodyPr>
+          <a:lstStyle/>
+          <a:p>
+            <a:pPr lvl="0">
+              <a:spcBef>
+                <a:spcPts val="0"/>
+              </a:spcBef>
+              <a:buNone/>
+            </a:pPr>
+            <a:endParaRPr/>
+          </a:p>
+        </p:txBody>
+      </p:sp>
+      <p:sp>
+        <p:nvSpPr>
+          <p:cNvPr id="391" name="Shape 391"/>
+          <p:cNvSpPr>
+            <a:spLocks noGrp="1" noRot="1" noChangeAspect="1"/>
+          </p:cNvSpPr>
+          <p:nvPr>
+            <p:ph type="sldImg" idx="2"/>
+          </p:nvPr>
+        </p:nvSpPr>
+        <p:spPr>
+          <a:xfrm>
+            <a:off x="1143000" y="685800"/>
+            <a:ext cx="4572000" cy="3429000"/>
+          </a:xfrm>
+          <a:custGeom>
+            <a:avLst/>
+            <a:gdLst/>
+            <a:ahLst/>
+            <a:cxnLst/>
+            <a:rect l="0" t="0" r="0" b="0"/>
+            <a:pathLst>
+              <a:path w="120000" h="120000" extrusionOk="0">
+                <a:moveTo>
+                  <a:pt x="0" y="0"/>
+                </a:moveTo>
+                <a:lnTo>
+                  <a:pt x="120000" y="0"/>
+                </a:lnTo>
+                <a:lnTo>
+                  <a:pt x="120000" y="120000"/>
+                </a:lnTo>
+                <a:lnTo>
+                  <a:pt x="0" y="120000"/>
+                </a:lnTo>
+                <a:close/>
+              </a:path>
+            </a:pathLst>
+          </a:custGeom>
+        </p:spPr>
+      </p:sp>
+    </p:spTree>
+    <p:extLst>
+      <p:ext uri="{BB962C8B-B14F-4D97-AF65-F5344CB8AC3E}">
+        <p14:creationId xmlns:p14="http://schemas.microsoft.com/office/powerpoint/2010/main" val="1119888522"/>
       </p:ext>
     </p:extLst>
   </p:cSld>
@@ -10094,61 +10201,6 @@
       </p:grpSpPr>
       <p:sp>
         <p:nvSpPr>
-          <p:cNvPr id="393" name="Shape 393"/>
-          <p:cNvSpPr txBox="1">
-            <a:spLocks noGrp="1"/>
-          </p:cNvSpPr>
-          <p:nvPr>
-            <p:ph type="body" idx="1"/>
-          </p:nvPr>
-        </p:nvSpPr>
-        <p:spPr>
-          <a:xfrm>
-            <a:off x="457200" y="1628481"/>
-            <a:ext cx="8229600" cy="4526100"/>
-          </a:xfrm>
-          <a:prstGeom prst="rect">
-            <a:avLst/>
-          </a:prstGeom>
-          <a:noFill/>
-          <a:ln>
-            <a:noFill/>
-          </a:ln>
-        </p:spPr>
-        <p:txBody>
-          <a:bodyPr lIns="91425" tIns="45700" rIns="91425" bIns="45700" anchor="t" anchorCtr="0">
-            <a:noAutofit/>
-          </a:bodyPr>
-          <a:lstStyle/>
-          <a:p>
-            <a:pPr marL="0" marR="0" lvl="0" indent="0" algn="l" rtl="0">
-              <a:lnSpc>
-                <a:spcPct val="90000"/>
-              </a:lnSpc>
-              <a:spcBef>
-                <a:spcPts val="0"/>
-              </a:spcBef>
-              <a:buClr>
-                <a:schemeClr val="dk1"/>
-              </a:buClr>
-              <a:buSzPct val="25000"/>
-              <a:buFont typeface="Arial"/>
-              <a:buNone/>
-            </a:pPr>
-            <a:r>
-              <a:rPr lang="es-VE" sz="1850" b="0" i="0" u="none" strike="noStrike" cap="none" dirty="0">
-                <a:solidFill>
-                  <a:schemeClr val="dk1"/>
-                </a:solidFill>
-              </a:rPr>
-              <a:t>Texto</a:t>
-            </a:r>
-            <a:endParaRPr lang="es-VE" sz="1850" dirty="0"/>
-          </a:p>
-        </p:txBody>
-      </p:sp>
-      <p:sp>
-        <p:nvSpPr>
           <p:cNvPr id="394" name="Shape 394"/>
           <p:cNvSpPr txBox="1">
             <a:spLocks noGrp="1"/>
@@ -10176,19 +10228,14 @@
           </a:bodyPr>
           <a:lstStyle/>
           <a:p>
-            <a:pPr marL="0" marR="0" lvl="0" indent="0" algn="l" rtl="0">
-              <a:spcBef>
-                <a:spcPts val="0"/>
-              </a:spcBef>
+            <a:pPr lvl="0" algn="l">
               <a:buClr>
                 <a:srgbClr val="F7B600"/>
               </a:buClr>
               <a:buSzPct val="25000"/>
-              <a:buFont typeface="Arial"/>
-              <a:buNone/>
             </a:pPr>
             <a:r>
-              <a:rPr lang="es-VE" sz="1200" i="0" u="none" strike="noStrike" cap="none" dirty="0">
+              <a:rPr lang="es-VE" sz="1200" dirty="0">
                 <a:solidFill>
                   <a:srgbClr val="F7B600"/>
                 </a:solidFill>
@@ -10197,19 +10244,7 @@
                 <a:cs typeface="Montserrat"/>
                 <a:sym typeface="Montserrat"/>
               </a:rPr>
-              <a:t>4.6 </a:t>
-            </a:r>
-            <a:r>
-              <a:rPr lang="es-VE" sz="1200" i="0" u="none" strike="noStrike" cap="none">
-                <a:solidFill>
-                  <a:srgbClr val="F7B600"/>
-                </a:solidFill>
-                <a:latin typeface="Montserrat"/>
-                <a:ea typeface="Montserrat"/>
-                <a:cs typeface="Montserrat"/>
-                <a:sym typeface="Montserrat"/>
-              </a:rPr>
-              <a:t>Visualizaciones Estadísticas</a:t>
+              <a:t>4.6 Visualizaciones Estadísticas</a:t>
             </a:r>
             <a:endParaRPr lang="es-VE" sz="1200" i="0" u="none" strike="noStrike" cap="none" dirty="0">
               <a:solidFill>
@@ -10292,7 +10327,7 @@
                 <a:cs typeface="Raleway"/>
                 <a:sym typeface="Raleway"/>
               </a:rPr>
-              <a:t>Título</a:t>
+              <a:t>Histograma</a:t>
             </a:r>
             <a:endParaRPr lang="es-GT" sz="3600" b="0" i="0" u="none" strike="noStrike" cap="none" dirty="0">
               <a:solidFill>
@@ -10306,10 +10341,1081 @@
           </a:p>
         </p:txBody>
       </p:sp>
+      <p:sp>
+        <p:nvSpPr>
+          <p:cNvPr id="2" name="TextBox 1">
+            <a:extLst>
+              <a:ext uri="{FF2B5EF4-FFF2-40B4-BE49-F238E27FC236}">
+                <a16:creationId xmlns:a16="http://schemas.microsoft.com/office/drawing/2014/main" id="{B441D002-04CF-4BB4-A845-BC7D54240BCD}"/>
+              </a:ext>
+            </a:extLst>
+          </p:cNvPr>
+          <p:cNvSpPr txBox="1"/>
+          <p:nvPr/>
+        </p:nvSpPr>
+        <p:spPr>
+          <a:xfrm>
+            <a:off x="3812020" y="1592568"/>
+            <a:ext cx="5174137" cy="2893100"/>
+          </a:xfrm>
+          <a:prstGeom prst="rect">
+            <a:avLst/>
+          </a:prstGeom>
+          <a:noFill/>
+        </p:spPr>
+        <p:txBody>
+          <a:bodyPr wrap="square" rtlCol="0">
+            <a:spAutoFit/>
+          </a:bodyPr>
+          <a:lstStyle/>
+          <a:p>
+            <a:r>
+              <a:rPr lang="es-VE" b="1" dirty="0">
+                <a:solidFill>
+                  <a:srgbClr val="F7B617"/>
+                </a:solidFill>
+                <a:latin typeface="Raleway" panose="020B0604020202020204" charset="0"/>
+              </a:rPr>
+              <a:t>Cuando se usa:</a:t>
+            </a:r>
+          </a:p>
+          <a:p>
+            <a:pPr marL="285750" indent="-285750">
+              <a:buFont typeface="Arial" panose="020B0604020202020204" pitchFamily="34" charset="0"/>
+              <a:buChar char="•"/>
+            </a:pPr>
+            <a:r>
+              <a:rPr lang="es-ES" dirty="0">
+                <a:latin typeface="Raleway" panose="020B0604020202020204" charset="0"/>
+              </a:rPr>
+              <a:t>Son ideales para entender como se distribuye la frecuencia de una población </a:t>
+            </a:r>
+          </a:p>
+          <a:p>
+            <a:endParaRPr lang="es-VE" dirty="0">
+              <a:latin typeface="Raleway" panose="020B0604020202020204" charset="0"/>
+            </a:endParaRPr>
+          </a:p>
+          <a:p>
+            <a:r>
+              <a:rPr lang="es-VE" b="1" dirty="0">
+                <a:solidFill>
+                  <a:srgbClr val="F7B617"/>
+                </a:solidFill>
+                <a:latin typeface="Raleway" panose="020B0604020202020204" charset="0"/>
+              </a:rPr>
+              <a:t>Recomendaciones:</a:t>
+            </a:r>
+          </a:p>
+          <a:p>
+            <a:pPr marL="285750" indent="-285750">
+              <a:buFont typeface="Arial" panose="020B0604020202020204" pitchFamily="34" charset="0"/>
+              <a:buChar char="•"/>
+            </a:pPr>
+            <a:r>
+              <a:rPr lang="es-ES" dirty="0">
+                <a:latin typeface="Raleway" panose="020B0604020202020204" charset="0"/>
+              </a:rPr>
+              <a:t>Si son muchos valores, puedes personalizarlo para crear grupos o </a:t>
+            </a:r>
+            <a:r>
+              <a:rPr lang="es-ES" dirty="0" err="1">
+                <a:latin typeface="Raleway" panose="020B0604020202020204" charset="0"/>
+              </a:rPr>
+              <a:t>bins</a:t>
+            </a:r>
+            <a:r>
+              <a:rPr lang="es-ES" dirty="0">
+                <a:latin typeface="Raleway" panose="020B0604020202020204" charset="0"/>
+              </a:rPr>
+              <a:t> más pequeños o más grandes. Lo importante es que sea más sencillo de visualizar y entender. </a:t>
+            </a:r>
+          </a:p>
+          <a:p>
+            <a:pPr marL="285750" indent="-285750">
+              <a:buFont typeface="Arial" panose="020B0604020202020204" pitchFamily="34" charset="0"/>
+              <a:buChar char="•"/>
+            </a:pPr>
+            <a:r>
+              <a:rPr lang="es-ES" dirty="0">
+                <a:latin typeface="Raleway" panose="020B0604020202020204" charset="0"/>
+              </a:rPr>
+              <a:t>Siempre estás usando la misma variable, así que mantén un sólo color.  </a:t>
+            </a:r>
+            <a:r>
+              <a:rPr lang="es-ES" sz="1100" dirty="0">
+                <a:latin typeface="Raleway" panose="020B0604020202020204" charset="0"/>
+              </a:rPr>
+              <a:t>(Si ya se que la fuente no uso la recomendación :p)</a:t>
+            </a:r>
+            <a:endParaRPr lang="es-ES" dirty="0">
+              <a:latin typeface="Raleway" panose="020B0604020202020204" charset="0"/>
+            </a:endParaRPr>
+          </a:p>
+          <a:p>
+            <a:pPr marL="285750" indent="-285750">
+              <a:buFont typeface="Arial" panose="020B0604020202020204" pitchFamily="34" charset="0"/>
+              <a:buChar char="•"/>
+            </a:pPr>
+            <a:endParaRPr lang="es-VE" dirty="0">
+              <a:latin typeface="Raleway" panose="020B0604020202020204" charset="0"/>
+            </a:endParaRPr>
+          </a:p>
+          <a:p>
+            <a:r>
+              <a:rPr lang="es-VE" b="1" dirty="0">
+                <a:solidFill>
+                  <a:srgbClr val="F7B617"/>
+                </a:solidFill>
+                <a:latin typeface="Raleway" panose="020B0604020202020204" charset="0"/>
+              </a:rPr>
+              <a:t>Así queda el de nuestro juego en la lección 2.6:</a:t>
+            </a:r>
+            <a:endParaRPr lang="en-US" b="1" dirty="0">
+              <a:solidFill>
+                <a:srgbClr val="F7B617"/>
+              </a:solidFill>
+              <a:latin typeface="Raleway" panose="020B0604020202020204" charset="0"/>
+            </a:endParaRPr>
+          </a:p>
+        </p:txBody>
+      </p:sp>
+      <p:cxnSp>
+        <p:nvCxnSpPr>
+          <p:cNvPr id="22" name="Straight Arrow Connector 21">
+            <a:extLst>
+              <a:ext uri="{FF2B5EF4-FFF2-40B4-BE49-F238E27FC236}">
+                <a16:creationId xmlns:a16="http://schemas.microsoft.com/office/drawing/2014/main" id="{EAC15EE6-A6CC-49D6-8962-2B284B2CCB4F}"/>
+              </a:ext>
+            </a:extLst>
+          </p:cNvPr>
+          <p:cNvCxnSpPr/>
+          <p:nvPr/>
+        </p:nvCxnSpPr>
+        <p:spPr>
+          <a:xfrm>
+            <a:off x="626324" y="4161085"/>
+            <a:ext cx="2634343" cy="0"/>
+          </a:xfrm>
+          <a:prstGeom prst="straightConnector1">
+            <a:avLst/>
+          </a:prstGeom>
+          <a:ln>
+            <a:solidFill>
+              <a:srgbClr val="F7B617"/>
+            </a:solidFill>
+            <a:tailEnd type="triangle"/>
+          </a:ln>
+        </p:spPr>
+        <p:style>
+          <a:lnRef idx="1">
+            <a:schemeClr val="accent1"/>
+          </a:lnRef>
+          <a:fillRef idx="0">
+            <a:schemeClr val="accent1"/>
+          </a:fillRef>
+          <a:effectRef idx="0">
+            <a:schemeClr val="accent1"/>
+          </a:effectRef>
+          <a:fontRef idx="minor">
+            <a:schemeClr val="tx1"/>
+          </a:fontRef>
+        </p:style>
+      </p:cxnSp>
+      <p:sp>
+        <p:nvSpPr>
+          <p:cNvPr id="23" name="TextBox 22">
+            <a:extLst>
+              <a:ext uri="{FF2B5EF4-FFF2-40B4-BE49-F238E27FC236}">
+                <a16:creationId xmlns:a16="http://schemas.microsoft.com/office/drawing/2014/main" id="{1E5AE993-460C-45C2-8961-F5135A2364C9}"/>
+              </a:ext>
+            </a:extLst>
+          </p:cNvPr>
+          <p:cNvSpPr txBox="1"/>
+          <p:nvPr/>
+        </p:nvSpPr>
+        <p:spPr>
+          <a:xfrm>
+            <a:off x="1117077" y="4254555"/>
+            <a:ext cx="1845632" cy="523220"/>
+          </a:xfrm>
+          <a:prstGeom prst="rect">
+            <a:avLst/>
+          </a:prstGeom>
+          <a:noFill/>
+        </p:spPr>
+        <p:txBody>
+          <a:bodyPr wrap="square" rtlCol="0">
+            <a:spAutoFit/>
+          </a:bodyPr>
+          <a:lstStyle/>
+          <a:p>
+            <a:pPr algn="ctr"/>
+            <a:r>
+              <a:rPr lang="es-VE" b="1" dirty="0">
+                <a:latin typeface="Raleway" panose="020B0604020202020204" charset="0"/>
+              </a:rPr>
+              <a:t>Eje X o abscisas: Valores</a:t>
+            </a:r>
+            <a:endParaRPr lang="en-US" b="1" dirty="0">
+              <a:latin typeface="Raleway" panose="020B0604020202020204" charset="0"/>
+            </a:endParaRPr>
+          </a:p>
+        </p:txBody>
+      </p:sp>
+      <p:sp>
+        <p:nvSpPr>
+          <p:cNvPr id="28" name="TextBox 27">
+            <a:extLst>
+              <a:ext uri="{FF2B5EF4-FFF2-40B4-BE49-F238E27FC236}">
+                <a16:creationId xmlns:a16="http://schemas.microsoft.com/office/drawing/2014/main" id="{5829E933-DA29-4B2E-97AC-3E073378650B}"/>
+              </a:ext>
+            </a:extLst>
+          </p:cNvPr>
+          <p:cNvSpPr txBox="1"/>
+          <p:nvPr/>
+        </p:nvSpPr>
+        <p:spPr>
+          <a:xfrm rot="16200000">
+            <a:off x="-589998" y="2484930"/>
+            <a:ext cx="1989857" cy="523220"/>
+          </a:xfrm>
+          <a:prstGeom prst="rect">
+            <a:avLst/>
+          </a:prstGeom>
+          <a:noFill/>
+        </p:spPr>
+        <p:txBody>
+          <a:bodyPr wrap="square" rtlCol="0">
+            <a:spAutoFit/>
+          </a:bodyPr>
+          <a:lstStyle/>
+          <a:p>
+            <a:pPr algn="ctr"/>
+            <a:r>
+              <a:rPr lang="es-VE" b="1" dirty="0">
+                <a:latin typeface="Raleway" panose="020B0604020202020204" charset="0"/>
+              </a:rPr>
+              <a:t>Eje Y o coordenadas: Frecuencia</a:t>
+            </a:r>
+            <a:endParaRPr lang="en-US" b="1" dirty="0">
+              <a:latin typeface="Raleway" panose="020B0604020202020204" charset="0"/>
+            </a:endParaRPr>
+          </a:p>
+        </p:txBody>
+      </p:sp>
+      <p:cxnSp>
+        <p:nvCxnSpPr>
+          <p:cNvPr id="29" name="Straight Arrow Connector 28">
+            <a:extLst>
+              <a:ext uri="{FF2B5EF4-FFF2-40B4-BE49-F238E27FC236}">
+                <a16:creationId xmlns:a16="http://schemas.microsoft.com/office/drawing/2014/main" id="{9F84E21D-F6F9-404C-A6A7-96BA5089A871}"/>
+              </a:ext>
+            </a:extLst>
+          </p:cNvPr>
+          <p:cNvCxnSpPr>
+            <a:cxnSpLocks/>
+          </p:cNvCxnSpPr>
+          <p:nvPr/>
+        </p:nvCxnSpPr>
+        <p:spPr>
+          <a:xfrm flipV="1">
+            <a:off x="778724" y="1674213"/>
+            <a:ext cx="0" cy="2639272"/>
+          </a:xfrm>
+          <a:prstGeom prst="straightConnector1">
+            <a:avLst/>
+          </a:prstGeom>
+          <a:ln>
+            <a:solidFill>
+              <a:srgbClr val="F7B617"/>
+            </a:solidFill>
+            <a:tailEnd type="triangle"/>
+          </a:ln>
+        </p:spPr>
+        <p:style>
+          <a:lnRef idx="1">
+            <a:schemeClr val="accent1"/>
+          </a:lnRef>
+          <a:fillRef idx="0">
+            <a:schemeClr val="accent1"/>
+          </a:fillRef>
+          <a:effectRef idx="0">
+            <a:schemeClr val="accent1"/>
+          </a:effectRef>
+          <a:fontRef idx="minor">
+            <a:schemeClr val="tx1"/>
+          </a:fontRef>
+        </p:style>
+      </p:cxnSp>
+      <p:cxnSp>
+        <p:nvCxnSpPr>
+          <p:cNvPr id="21" name="Straight Arrow Connector 20">
+            <a:extLst>
+              <a:ext uri="{FF2B5EF4-FFF2-40B4-BE49-F238E27FC236}">
+                <a16:creationId xmlns:a16="http://schemas.microsoft.com/office/drawing/2014/main" id="{DB98A505-CA5F-4F9F-AFCB-D4C31CFE880F}"/>
+              </a:ext>
+            </a:extLst>
+          </p:cNvPr>
+          <p:cNvCxnSpPr>
+            <a:cxnSpLocks/>
+          </p:cNvCxnSpPr>
+          <p:nvPr/>
+        </p:nvCxnSpPr>
+        <p:spPr>
+          <a:xfrm flipV="1">
+            <a:off x="778725" y="1674214"/>
+            <a:ext cx="0" cy="2639272"/>
+          </a:xfrm>
+          <a:prstGeom prst="straightConnector1">
+            <a:avLst/>
+          </a:prstGeom>
+          <a:ln>
+            <a:solidFill>
+              <a:srgbClr val="F7B617"/>
+            </a:solidFill>
+            <a:tailEnd type="triangle"/>
+          </a:ln>
+        </p:spPr>
+        <p:style>
+          <a:lnRef idx="1">
+            <a:schemeClr val="accent1"/>
+          </a:lnRef>
+          <a:fillRef idx="0">
+            <a:schemeClr val="accent1"/>
+          </a:fillRef>
+          <a:effectRef idx="0">
+            <a:schemeClr val="accent1"/>
+          </a:effectRef>
+          <a:fontRef idx="minor">
+            <a:schemeClr val="tx1"/>
+          </a:fontRef>
+        </p:style>
+      </p:cxnSp>
+      <p:sp>
+        <p:nvSpPr>
+          <p:cNvPr id="24" name="TextBox 23">
+            <a:extLst>
+              <a:ext uri="{FF2B5EF4-FFF2-40B4-BE49-F238E27FC236}">
+                <a16:creationId xmlns:a16="http://schemas.microsoft.com/office/drawing/2014/main" id="{4801D4F1-B63A-4FFC-85AB-F6305DCCD883}"/>
+              </a:ext>
+            </a:extLst>
+          </p:cNvPr>
+          <p:cNvSpPr txBox="1"/>
+          <p:nvPr/>
+        </p:nvSpPr>
+        <p:spPr>
+          <a:xfrm>
+            <a:off x="249814" y="6315959"/>
+            <a:ext cx="3262432" cy="307777"/>
+          </a:xfrm>
+          <a:prstGeom prst="rect">
+            <a:avLst/>
+          </a:prstGeom>
+          <a:noFill/>
+        </p:spPr>
+        <p:txBody>
+          <a:bodyPr wrap="none" rtlCol="0">
+            <a:spAutoFit/>
+          </a:bodyPr>
+          <a:lstStyle/>
+          <a:p>
+            <a:r>
+              <a:rPr lang="es-VE" b="1" dirty="0">
+                <a:latin typeface="Raleway" panose="020B0604020202020204" charset="0"/>
+              </a:rPr>
+              <a:t>Fuente</a:t>
+            </a:r>
+            <a:r>
+              <a:rPr lang="es-VE" dirty="0">
+                <a:latin typeface="Raleway" panose="020B0604020202020204" charset="0"/>
+              </a:rPr>
+              <a:t>: http://online-behavior.com/</a:t>
+            </a:r>
+            <a:endParaRPr lang="en-US" dirty="0">
+              <a:latin typeface="Raleway" panose="020B0604020202020204" charset="0"/>
+            </a:endParaRPr>
+          </a:p>
+        </p:txBody>
+      </p:sp>
+      <p:pic>
+        <p:nvPicPr>
+          <p:cNvPr id="5" name="Picture 4" descr="A picture containing shoji, text&#10;&#10;Description generated with high confidence">
+            <a:extLst>
+              <a:ext uri="{FF2B5EF4-FFF2-40B4-BE49-F238E27FC236}">
+                <a16:creationId xmlns:a16="http://schemas.microsoft.com/office/drawing/2014/main" id="{6358D7C1-4AC6-43A8-9360-9F7A541966D2}"/>
+              </a:ext>
+            </a:extLst>
+          </p:cNvPr>
+          <p:cNvPicPr>
+            <a:picLocks noChangeAspect="1"/>
+          </p:cNvPicPr>
+          <p:nvPr/>
+        </p:nvPicPr>
+        <p:blipFill>
+          <a:blip r:embed="rId4"/>
+          <a:stretch>
+            <a:fillRect/>
+          </a:stretch>
+        </p:blipFill>
+        <p:spPr>
+          <a:xfrm>
+            <a:off x="879459" y="1870646"/>
+            <a:ext cx="2461106" cy="2073296"/>
+          </a:xfrm>
+          <a:prstGeom prst="rect">
+            <a:avLst/>
+          </a:prstGeom>
+        </p:spPr>
+      </p:pic>
+      <p:pic>
+        <p:nvPicPr>
+          <p:cNvPr id="6" name="Picture 5">
+            <a:extLst>
+              <a:ext uri="{FF2B5EF4-FFF2-40B4-BE49-F238E27FC236}">
+                <a16:creationId xmlns:a16="http://schemas.microsoft.com/office/drawing/2014/main" id="{1DFE68A3-F835-4172-98AC-48460B80E3C5}"/>
+              </a:ext>
+            </a:extLst>
+          </p:cNvPr>
+          <p:cNvPicPr>
+            <a:picLocks noChangeAspect="1"/>
+          </p:cNvPicPr>
+          <p:nvPr/>
+        </p:nvPicPr>
+        <p:blipFill>
+          <a:blip r:embed="rId5"/>
+          <a:stretch>
+            <a:fillRect/>
+          </a:stretch>
+        </p:blipFill>
+        <p:spPr>
+          <a:xfrm>
+            <a:off x="4546525" y="4635667"/>
+            <a:ext cx="3307583" cy="1988069"/>
+          </a:xfrm>
+          <a:prstGeom prst="rect">
+            <a:avLst/>
+          </a:prstGeom>
+        </p:spPr>
+      </p:pic>
     </p:spTree>
     <p:extLst>
       <p:ext uri="{BB962C8B-B14F-4D97-AF65-F5344CB8AC3E}">
-        <p14:creationId xmlns:p14="http://schemas.microsoft.com/office/powerpoint/2010/main" val="1269151904"/>
+        <p14:creationId xmlns:p14="http://schemas.microsoft.com/office/powerpoint/2010/main" val="194702623"/>
+      </p:ext>
+    </p:extLst>
+  </p:cSld>
+  <p:clrMapOvr>
+    <a:masterClrMapping/>
+  </p:clrMapOvr>
+</p:sld>
+</file>
+
+<file path=ppt/slides/slide3.xml><?xml version="1.0" encoding="utf-8"?>
+<p:sld xmlns:a="http://schemas.openxmlformats.org/drawingml/2006/main" xmlns:r="http://schemas.openxmlformats.org/officeDocument/2006/relationships" xmlns:p="http://schemas.openxmlformats.org/presentationml/2006/main">
+  <p:cSld>
+    <p:spTree>
+      <p:nvGrpSpPr>
+        <p:cNvPr id="1" name="Shape 392"/>
+        <p:cNvGrpSpPr/>
+        <p:nvPr/>
+      </p:nvGrpSpPr>
+      <p:grpSpPr>
+        <a:xfrm>
+          <a:off x="0" y="0"/>
+          <a:ext cx="0" cy="0"/>
+          <a:chOff x="0" y="0"/>
+          <a:chExt cx="0" cy="0"/>
+        </a:xfrm>
+      </p:grpSpPr>
+      <p:sp>
+        <p:nvSpPr>
+          <p:cNvPr id="394" name="Shape 394"/>
+          <p:cNvSpPr txBox="1">
+            <a:spLocks noGrp="1"/>
+          </p:cNvSpPr>
+          <p:nvPr>
+            <p:ph type="title"/>
+          </p:nvPr>
+        </p:nvSpPr>
+        <p:spPr>
+          <a:xfrm>
+            <a:off x="666539" y="209956"/>
+            <a:ext cx="5192220" cy="428400"/>
+          </a:xfrm>
+          <a:prstGeom prst="rect">
+            <a:avLst/>
+          </a:prstGeom>
+          <a:noFill/>
+          <a:ln>
+            <a:noFill/>
+          </a:ln>
+        </p:spPr>
+        <p:txBody>
+          <a:bodyPr lIns="91425" tIns="45700" rIns="91425" bIns="45700" anchor="ctr" anchorCtr="0">
+            <a:noAutofit/>
+          </a:bodyPr>
+          <a:lstStyle/>
+          <a:p>
+            <a:pPr lvl="0" algn="l">
+              <a:buClr>
+                <a:srgbClr val="F7B600"/>
+              </a:buClr>
+              <a:buSzPct val="25000"/>
+            </a:pPr>
+            <a:r>
+              <a:rPr lang="es-VE" sz="1200" dirty="0">
+                <a:solidFill>
+                  <a:srgbClr val="F7B600"/>
+                </a:solidFill>
+                <a:latin typeface="Montserrat"/>
+                <a:ea typeface="Montserrat"/>
+                <a:cs typeface="Montserrat"/>
+                <a:sym typeface="Montserrat"/>
+              </a:rPr>
+              <a:t>4.6 Visualizaciones Estadísticas</a:t>
+            </a:r>
+            <a:endParaRPr lang="es-VE" sz="1200" i="0" u="none" strike="noStrike" cap="none" dirty="0">
+              <a:solidFill>
+                <a:srgbClr val="F7B600"/>
+              </a:solidFill>
+              <a:latin typeface="Montserrat"/>
+              <a:ea typeface="Montserrat"/>
+              <a:cs typeface="Montserrat"/>
+              <a:sym typeface="Montserrat"/>
+            </a:endParaRPr>
+          </a:p>
+        </p:txBody>
+      </p:sp>
+      <p:pic>
+        <p:nvPicPr>
+          <p:cNvPr id="395" name="Shape 395" descr="isotipo codeacademy.png"/>
+          <p:cNvPicPr preferRelativeResize="0"/>
+          <p:nvPr/>
+        </p:nvPicPr>
+        <p:blipFill rotWithShape="1">
+          <a:blip r:embed="rId3">
+            <a:alphaModFix/>
+          </a:blip>
+          <a:srcRect/>
+          <a:stretch/>
+        </p:blipFill>
+        <p:spPr>
+          <a:xfrm>
+            <a:off x="131781" y="126082"/>
+            <a:ext cx="548100" cy="548100"/>
+          </a:xfrm>
+          <a:prstGeom prst="rect">
+            <a:avLst/>
+          </a:prstGeom>
+          <a:noFill/>
+          <a:ln>
+            <a:noFill/>
+          </a:ln>
+        </p:spPr>
+      </p:pic>
+      <p:sp>
+        <p:nvSpPr>
+          <p:cNvPr id="396" name="Shape 396"/>
+          <p:cNvSpPr txBox="1"/>
+          <p:nvPr/>
+        </p:nvSpPr>
+        <p:spPr>
+          <a:xfrm>
+            <a:off x="1117077" y="674182"/>
+            <a:ext cx="7107810" cy="646200"/>
+          </a:xfrm>
+          <a:prstGeom prst="rect">
+            <a:avLst/>
+          </a:prstGeom>
+          <a:noFill/>
+          <a:ln>
+            <a:noFill/>
+          </a:ln>
+        </p:spPr>
+        <p:txBody>
+          <a:bodyPr lIns="91425" tIns="45700" rIns="91425" bIns="45700" anchor="t" anchorCtr="0">
+            <a:noAutofit/>
+          </a:bodyPr>
+          <a:lstStyle/>
+          <a:p>
+            <a:pPr lvl="0">
+              <a:buSzPct val="25000"/>
+            </a:pPr>
+            <a:r>
+              <a:rPr lang="es-ES" sz="3600" dirty="0">
+                <a:solidFill>
+                  <a:srgbClr val="F7B600"/>
+                </a:solidFill>
+                <a:latin typeface="Raleway"/>
+                <a:ea typeface="Raleway"/>
+                <a:cs typeface="Raleway"/>
+                <a:sym typeface="Raleway"/>
+              </a:rPr>
+              <a:t>Gráficos de Caja y Bigotes</a:t>
+            </a:r>
+            <a:endParaRPr lang="es-GT" sz="3600" b="0" i="0" u="none" strike="noStrike" cap="none" dirty="0">
+              <a:solidFill>
+                <a:srgbClr val="F7B600"/>
+              </a:solidFill>
+              <a:latin typeface="Raleway"/>
+              <a:ea typeface="Raleway"/>
+              <a:cs typeface="Raleway"/>
+              <a:sym typeface="Raleway"/>
+            </a:endParaRPr>
+          </a:p>
+        </p:txBody>
+      </p:sp>
+      <p:sp>
+        <p:nvSpPr>
+          <p:cNvPr id="2" name="TextBox 1">
+            <a:extLst>
+              <a:ext uri="{FF2B5EF4-FFF2-40B4-BE49-F238E27FC236}">
+                <a16:creationId xmlns:a16="http://schemas.microsoft.com/office/drawing/2014/main" id="{B441D002-04CF-4BB4-A845-BC7D54240BCD}"/>
+              </a:ext>
+            </a:extLst>
+          </p:cNvPr>
+          <p:cNvSpPr txBox="1"/>
+          <p:nvPr/>
+        </p:nvSpPr>
+        <p:spPr>
+          <a:xfrm>
+            <a:off x="3812020" y="1592568"/>
+            <a:ext cx="5174137" cy="3323987"/>
+          </a:xfrm>
+          <a:prstGeom prst="rect">
+            <a:avLst/>
+          </a:prstGeom>
+          <a:noFill/>
+        </p:spPr>
+        <p:txBody>
+          <a:bodyPr wrap="square" rtlCol="0">
+            <a:spAutoFit/>
+          </a:bodyPr>
+          <a:lstStyle/>
+          <a:p>
+            <a:r>
+              <a:rPr lang="es-VE" b="1" dirty="0">
+                <a:solidFill>
+                  <a:srgbClr val="F7B617"/>
+                </a:solidFill>
+                <a:latin typeface="Raleway" panose="020B0604020202020204" charset="0"/>
+              </a:rPr>
+              <a:t>Cuando se usa:</a:t>
+            </a:r>
+          </a:p>
+          <a:p>
+            <a:pPr marL="285750" indent="-285750">
+              <a:buFont typeface="Arial" panose="020B0604020202020204" pitchFamily="34" charset="0"/>
+              <a:buChar char="•"/>
+            </a:pPr>
+            <a:r>
+              <a:rPr lang="es-ES" dirty="0">
+                <a:latin typeface="Raleway" panose="020B0604020202020204" charset="0"/>
+              </a:rPr>
+              <a:t>Son ideales para entender las agregaciones de una población y sobre la existencia de valores atípicos y la forma de la distribución de los datos. </a:t>
+            </a:r>
+          </a:p>
+          <a:p>
+            <a:endParaRPr lang="es-VE" dirty="0">
+              <a:latin typeface="Raleway" panose="020B0604020202020204" charset="0"/>
+            </a:endParaRPr>
+          </a:p>
+          <a:p>
+            <a:r>
+              <a:rPr lang="es-VE" b="1" dirty="0">
+                <a:solidFill>
+                  <a:srgbClr val="F7B617"/>
+                </a:solidFill>
+                <a:latin typeface="Raleway" panose="020B0604020202020204" charset="0"/>
+              </a:rPr>
+              <a:t>Recomendaciones:</a:t>
+            </a:r>
+          </a:p>
+          <a:p>
+            <a:pPr marL="285750" indent="-285750">
+              <a:buFont typeface="Arial" panose="020B0604020202020204" pitchFamily="34" charset="0"/>
+              <a:buChar char="•"/>
+            </a:pPr>
+            <a:r>
+              <a:rPr lang="es-ES" dirty="0">
+                <a:latin typeface="Raleway" panose="020B0604020202020204" charset="0"/>
+              </a:rPr>
+              <a:t>Puedes combinar en el eje X una dimensión para ver cómo se distribuye una población según una división especifica, por ejemplo continente en nuestro ejemplo de Penetración de Internet. </a:t>
+            </a:r>
+          </a:p>
+          <a:p>
+            <a:pPr marL="285750" indent="-285750">
+              <a:buFont typeface="Arial" panose="020B0604020202020204" pitchFamily="34" charset="0"/>
+              <a:buChar char="•"/>
+            </a:pPr>
+            <a:r>
+              <a:rPr lang="es-ES" dirty="0">
+                <a:latin typeface="Raleway" panose="020B0604020202020204" charset="0"/>
+              </a:rPr>
+              <a:t>Se puede usar colores si se combina con la dimensión X, pero se recomienda que cada cajita sea exclusivamente de un sólo color. </a:t>
+            </a:r>
+          </a:p>
+          <a:p>
+            <a:pPr marL="285750" indent="-285750">
+              <a:buFont typeface="Arial" panose="020B0604020202020204" pitchFamily="34" charset="0"/>
+              <a:buChar char="•"/>
+            </a:pPr>
+            <a:endParaRPr lang="es-VE" dirty="0">
+              <a:latin typeface="Raleway" panose="020B0604020202020204" charset="0"/>
+            </a:endParaRPr>
+          </a:p>
+          <a:p>
+            <a:r>
+              <a:rPr lang="es-VE" b="1" dirty="0">
+                <a:solidFill>
+                  <a:srgbClr val="F7B617"/>
+                </a:solidFill>
+                <a:latin typeface="Raleway" panose="020B0604020202020204" charset="0"/>
+              </a:rPr>
+              <a:t>Así queda el de nuestro juego en la lección 2.6:</a:t>
+            </a:r>
+            <a:endParaRPr lang="en-US" b="1" dirty="0">
+              <a:solidFill>
+                <a:srgbClr val="F7B617"/>
+              </a:solidFill>
+              <a:latin typeface="Raleway" panose="020B0604020202020204" charset="0"/>
+            </a:endParaRPr>
+          </a:p>
+        </p:txBody>
+      </p:sp>
+      <p:sp>
+        <p:nvSpPr>
+          <p:cNvPr id="23" name="TextBox 22">
+            <a:extLst>
+              <a:ext uri="{FF2B5EF4-FFF2-40B4-BE49-F238E27FC236}">
+                <a16:creationId xmlns:a16="http://schemas.microsoft.com/office/drawing/2014/main" id="{1E5AE993-460C-45C2-8961-F5135A2364C9}"/>
+              </a:ext>
+            </a:extLst>
+          </p:cNvPr>
+          <p:cNvSpPr txBox="1"/>
+          <p:nvPr/>
+        </p:nvSpPr>
+        <p:spPr>
+          <a:xfrm>
+            <a:off x="745910" y="4243884"/>
+            <a:ext cx="2395169" cy="307777"/>
+          </a:xfrm>
+          <a:prstGeom prst="rect">
+            <a:avLst/>
+          </a:prstGeom>
+          <a:noFill/>
+        </p:spPr>
+        <p:txBody>
+          <a:bodyPr wrap="square" rtlCol="0">
+            <a:spAutoFit/>
+          </a:bodyPr>
+          <a:lstStyle/>
+          <a:p>
+            <a:pPr algn="ctr"/>
+            <a:r>
+              <a:rPr lang="es-VE" b="1" dirty="0">
+                <a:latin typeface="Raleway" panose="020B0604020202020204" charset="0"/>
+              </a:rPr>
+              <a:t>Dimensión adicional</a:t>
+            </a:r>
+            <a:endParaRPr lang="en-US" b="1" dirty="0">
+              <a:latin typeface="Raleway" panose="020B0604020202020204" charset="0"/>
+            </a:endParaRPr>
+          </a:p>
+        </p:txBody>
+      </p:sp>
+      <p:sp>
+        <p:nvSpPr>
+          <p:cNvPr id="28" name="TextBox 27">
+            <a:extLst>
+              <a:ext uri="{FF2B5EF4-FFF2-40B4-BE49-F238E27FC236}">
+                <a16:creationId xmlns:a16="http://schemas.microsoft.com/office/drawing/2014/main" id="{5829E933-DA29-4B2E-97AC-3E073378650B}"/>
+              </a:ext>
+            </a:extLst>
+          </p:cNvPr>
+          <p:cNvSpPr txBox="1"/>
+          <p:nvPr/>
+        </p:nvSpPr>
+        <p:spPr>
+          <a:xfrm rot="16200000">
+            <a:off x="-589998" y="2592651"/>
+            <a:ext cx="1989857" cy="307777"/>
+          </a:xfrm>
+          <a:prstGeom prst="rect">
+            <a:avLst/>
+          </a:prstGeom>
+          <a:noFill/>
+        </p:spPr>
+        <p:txBody>
+          <a:bodyPr wrap="square" rtlCol="0">
+            <a:spAutoFit/>
+          </a:bodyPr>
+          <a:lstStyle/>
+          <a:p>
+            <a:pPr algn="ctr"/>
+            <a:r>
+              <a:rPr lang="es-VE" b="1" dirty="0">
+                <a:latin typeface="Raleway" panose="020B0604020202020204" charset="0"/>
+              </a:rPr>
+              <a:t>Valores</a:t>
+            </a:r>
+            <a:endParaRPr lang="en-US" b="1" dirty="0">
+              <a:latin typeface="Raleway" panose="020B0604020202020204" charset="0"/>
+            </a:endParaRPr>
+          </a:p>
+        </p:txBody>
+      </p:sp>
+      <p:cxnSp>
+        <p:nvCxnSpPr>
+          <p:cNvPr id="29" name="Straight Arrow Connector 28">
+            <a:extLst>
+              <a:ext uri="{FF2B5EF4-FFF2-40B4-BE49-F238E27FC236}">
+                <a16:creationId xmlns:a16="http://schemas.microsoft.com/office/drawing/2014/main" id="{9F84E21D-F6F9-404C-A6A7-96BA5089A871}"/>
+              </a:ext>
+            </a:extLst>
+          </p:cNvPr>
+          <p:cNvCxnSpPr>
+            <a:cxnSpLocks/>
+          </p:cNvCxnSpPr>
+          <p:nvPr/>
+        </p:nvCxnSpPr>
+        <p:spPr>
+          <a:xfrm flipV="1">
+            <a:off x="778724" y="1674213"/>
+            <a:ext cx="0" cy="2639272"/>
+          </a:xfrm>
+          <a:prstGeom prst="straightConnector1">
+            <a:avLst/>
+          </a:prstGeom>
+          <a:ln>
+            <a:solidFill>
+              <a:srgbClr val="F7B617"/>
+            </a:solidFill>
+            <a:tailEnd type="triangle"/>
+          </a:ln>
+        </p:spPr>
+        <p:style>
+          <a:lnRef idx="1">
+            <a:schemeClr val="accent1"/>
+          </a:lnRef>
+          <a:fillRef idx="0">
+            <a:schemeClr val="accent1"/>
+          </a:fillRef>
+          <a:effectRef idx="0">
+            <a:schemeClr val="accent1"/>
+          </a:effectRef>
+          <a:fontRef idx="minor">
+            <a:schemeClr val="tx1"/>
+          </a:fontRef>
+        </p:style>
+      </p:cxnSp>
+      <p:cxnSp>
+        <p:nvCxnSpPr>
+          <p:cNvPr id="21" name="Straight Arrow Connector 20">
+            <a:extLst>
+              <a:ext uri="{FF2B5EF4-FFF2-40B4-BE49-F238E27FC236}">
+                <a16:creationId xmlns:a16="http://schemas.microsoft.com/office/drawing/2014/main" id="{DB98A505-CA5F-4F9F-AFCB-D4C31CFE880F}"/>
+              </a:ext>
+            </a:extLst>
+          </p:cNvPr>
+          <p:cNvCxnSpPr>
+            <a:cxnSpLocks/>
+          </p:cNvCxnSpPr>
+          <p:nvPr/>
+        </p:nvCxnSpPr>
+        <p:spPr>
+          <a:xfrm flipV="1">
+            <a:off x="778725" y="1674214"/>
+            <a:ext cx="0" cy="2639272"/>
+          </a:xfrm>
+          <a:prstGeom prst="straightConnector1">
+            <a:avLst/>
+          </a:prstGeom>
+          <a:ln>
+            <a:solidFill>
+              <a:srgbClr val="F7B617"/>
+            </a:solidFill>
+            <a:tailEnd type="triangle"/>
+          </a:ln>
+        </p:spPr>
+        <p:style>
+          <a:lnRef idx="1">
+            <a:schemeClr val="accent1"/>
+          </a:lnRef>
+          <a:fillRef idx="0">
+            <a:schemeClr val="accent1"/>
+          </a:fillRef>
+          <a:effectRef idx="0">
+            <a:schemeClr val="accent1"/>
+          </a:effectRef>
+          <a:fontRef idx="minor">
+            <a:schemeClr val="tx1"/>
+          </a:fontRef>
+        </p:style>
+      </p:cxnSp>
+      <p:sp>
+        <p:nvSpPr>
+          <p:cNvPr id="24" name="TextBox 23">
+            <a:extLst>
+              <a:ext uri="{FF2B5EF4-FFF2-40B4-BE49-F238E27FC236}">
+                <a16:creationId xmlns:a16="http://schemas.microsoft.com/office/drawing/2014/main" id="{4801D4F1-B63A-4FFC-85AB-F6305DCCD883}"/>
+              </a:ext>
+            </a:extLst>
+          </p:cNvPr>
+          <p:cNvSpPr txBox="1"/>
+          <p:nvPr/>
+        </p:nvSpPr>
+        <p:spPr>
+          <a:xfrm>
+            <a:off x="249814" y="6315959"/>
+            <a:ext cx="3262432" cy="307777"/>
+          </a:xfrm>
+          <a:prstGeom prst="rect">
+            <a:avLst/>
+          </a:prstGeom>
+          <a:noFill/>
+        </p:spPr>
+        <p:txBody>
+          <a:bodyPr wrap="none" rtlCol="0">
+            <a:spAutoFit/>
+          </a:bodyPr>
+          <a:lstStyle/>
+          <a:p>
+            <a:r>
+              <a:rPr lang="es-VE" b="1" dirty="0">
+                <a:latin typeface="Raleway" panose="020B0604020202020204" charset="0"/>
+              </a:rPr>
+              <a:t>Fuente</a:t>
+            </a:r>
+            <a:r>
+              <a:rPr lang="es-VE" dirty="0">
+                <a:latin typeface="Raleway" panose="020B0604020202020204" charset="0"/>
+              </a:rPr>
+              <a:t>: http://online-behavior.com/</a:t>
+            </a:r>
+            <a:endParaRPr lang="en-US" dirty="0">
+              <a:latin typeface="Raleway" panose="020B0604020202020204" charset="0"/>
+            </a:endParaRPr>
+          </a:p>
+        </p:txBody>
+      </p:sp>
+      <p:pic>
+        <p:nvPicPr>
+          <p:cNvPr id="4" name="Picture 3" descr="A close up of text on a white background&#10;&#10;Description generated with high confidence">
+            <a:extLst>
+              <a:ext uri="{FF2B5EF4-FFF2-40B4-BE49-F238E27FC236}">
+                <a16:creationId xmlns:a16="http://schemas.microsoft.com/office/drawing/2014/main" id="{2C9FFCCC-CD6E-4DE0-9EEF-A415705D98F8}"/>
+              </a:ext>
+            </a:extLst>
+          </p:cNvPr>
+          <p:cNvPicPr>
+            <a:picLocks noChangeAspect="1"/>
+          </p:cNvPicPr>
+          <p:nvPr/>
+        </p:nvPicPr>
+        <p:blipFill>
+          <a:blip r:embed="rId4"/>
+          <a:stretch>
+            <a:fillRect/>
+          </a:stretch>
+        </p:blipFill>
+        <p:spPr>
+          <a:xfrm>
+            <a:off x="982933" y="1778354"/>
+            <a:ext cx="2099631" cy="2126292"/>
+          </a:xfrm>
+          <a:prstGeom prst="rect">
+            <a:avLst/>
+          </a:prstGeom>
+        </p:spPr>
+      </p:pic>
+      <p:sp>
+        <p:nvSpPr>
+          <p:cNvPr id="15" name="TextBox 14">
+            <a:extLst>
+              <a:ext uri="{FF2B5EF4-FFF2-40B4-BE49-F238E27FC236}">
+                <a16:creationId xmlns:a16="http://schemas.microsoft.com/office/drawing/2014/main" id="{A454DF0E-910E-416C-B05B-551DA976D872}"/>
+              </a:ext>
+            </a:extLst>
+          </p:cNvPr>
+          <p:cNvSpPr txBox="1"/>
+          <p:nvPr/>
+        </p:nvSpPr>
+        <p:spPr>
+          <a:xfrm>
+            <a:off x="2572139" y="2479586"/>
+            <a:ext cx="1137880" cy="307777"/>
+          </a:xfrm>
+          <a:prstGeom prst="rect">
+            <a:avLst/>
+          </a:prstGeom>
+          <a:noFill/>
+        </p:spPr>
+        <p:txBody>
+          <a:bodyPr wrap="square" rtlCol="0">
+            <a:spAutoFit/>
+          </a:bodyPr>
+          <a:lstStyle/>
+          <a:p>
+            <a:pPr algn="ctr"/>
+            <a:r>
+              <a:rPr lang="es-VE" b="1" dirty="0">
+                <a:latin typeface="Raleway" panose="020B0604020202020204" charset="0"/>
+              </a:rPr>
+              <a:t>Caja</a:t>
+            </a:r>
+            <a:endParaRPr lang="en-US" b="1" dirty="0">
+              <a:latin typeface="Raleway" panose="020B0604020202020204" charset="0"/>
+            </a:endParaRPr>
+          </a:p>
+        </p:txBody>
+      </p:sp>
+      <p:sp>
+        <p:nvSpPr>
+          <p:cNvPr id="16" name="TextBox 15">
+            <a:extLst>
+              <a:ext uri="{FF2B5EF4-FFF2-40B4-BE49-F238E27FC236}">
+                <a16:creationId xmlns:a16="http://schemas.microsoft.com/office/drawing/2014/main" id="{20EFFE5F-8186-4722-9D5E-DFBD6EAB9396}"/>
+              </a:ext>
+            </a:extLst>
+          </p:cNvPr>
+          <p:cNvSpPr txBox="1"/>
+          <p:nvPr/>
+        </p:nvSpPr>
+        <p:spPr>
+          <a:xfrm>
+            <a:off x="2309412" y="1821193"/>
+            <a:ext cx="1137880" cy="307777"/>
+          </a:xfrm>
+          <a:prstGeom prst="rect">
+            <a:avLst/>
+          </a:prstGeom>
+          <a:noFill/>
+        </p:spPr>
+        <p:txBody>
+          <a:bodyPr wrap="square" rtlCol="0">
+            <a:spAutoFit/>
+          </a:bodyPr>
+          <a:lstStyle/>
+          <a:p>
+            <a:pPr algn="ctr"/>
+            <a:r>
+              <a:rPr lang="es-VE" b="1" dirty="0">
+                <a:latin typeface="Raleway" panose="020B0604020202020204" charset="0"/>
+              </a:rPr>
+              <a:t>Bigotes</a:t>
+            </a:r>
+            <a:endParaRPr lang="en-US" b="1" dirty="0">
+              <a:latin typeface="Raleway" panose="020B0604020202020204" charset="0"/>
+            </a:endParaRPr>
+          </a:p>
+        </p:txBody>
+      </p:sp>
+    </p:spTree>
+    <p:extLst>
+      <p:ext uri="{BB962C8B-B14F-4D97-AF65-F5344CB8AC3E}">
+        <p14:creationId xmlns:p14="http://schemas.microsoft.com/office/powerpoint/2010/main" val="2295520918"/>
       </p:ext>
     </p:extLst>
   </p:cSld>

--- a/18-data-visualization/Contenido Semana 2/4.6. Presentación - Visualizaciones Estadísticas.pptx
+++ b/18-data-visualization/Contenido Semana 2/4.6. Presentación - Visualizaciones Estadísticas.pptx
@@ -16,21 +16,21 @@
   <p:notesSz cx="6858000" cy="9144000"/>
   <p:embeddedFontLst>
     <p:embeddedFont>
-      <p:font typeface="Montserrat" panose="020B0604020202020204" charset="0"/>
+      <p:font typeface="Raleway" panose="020B0604020202020204" charset="0"/>
       <p:regular r:id="rId6"/>
       <p:bold r:id="rId7"/>
       <p:italic r:id="rId8"/>
       <p:boldItalic r:id="rId9"/>
     </p:embeddedFont>
     <p:embeddedFont>
-      <p:font typeface="Calibri" panose="020F0502020204030204" pitchFamily="34" charset="0"/>
+      <p:font typeface="Montserrat" panose="020B0604020202020204" charset="0"/>
       <p:regular r:id="rId10"/>
       <p:bold r:id="rId11"/>
       <p:italic r:id="rId12"/>
       <p:boldItalic r:id="rId13"/>
     </p:embeddedFont>
     <p:embeddedFont>
-      <p:font typeface="Raleway" panose="020B0604020202020204" charset="0"/>
+      <p:font typeface="Calibri" panose="020F0502020204030204" pitchFamily="34" charset="0"/>
       <p:regular r:id="rId14"/>
       <p:bold r:id="rId15"/>
       <p:italic r:id="rId16"/>
@@ -10707,7 +10707,7 @@
         <p:spPr>
           <a:xfrm>
             <a:off x="249814" y="6315959"/>
-            <a:ext cx="3262432" cy="307777"/>
+            <a:ext cx="3278462" cy="523220"/>
           </a:xfrm>
           <a:prstGeom prst="rect">
             <a:avLst/>
@@ -10730,8 +10730,20 @@
               <a:rPr lang="es-VE" dirty="0">
                 <a:latin typeface="Raleway" panose="020B0604020202020204" charset="0"/>
               </a:rPr>
-              <a:t>: http://online-behavior.com/</a:t>
+              <a:t>: </a:t>
             </a:r>
+            <a:r>
+              <a:rPr lang="es-VE" dirty="0">
+                <a:latin typeface="Raleway" panose="020B0604020202020204" charset="0"/>
+                <a:hlinkClick r:id="rId4"/>
+              </a:rPr>
+              <a:t>http://online-behavior.com/</a:t>
+            </a:r>
+            <a:endParaRPr lang="es-VE" dirty="0">
+              <a:latin typeface="Raleway" panose="020B0604020202020204" charset="0"/>
+            </a:endParaRPr>
+          </a:p>
+          <a:p>
             <a:endParaRPr lang="en-US" dirty="0">
               <a:latin typeface="Raleway" panose="020B0604020202020204" charset="0"/>
             </a:endParaRPr>
@@ -10753,7 +10765,7 @@
           <p:nvPr/>
         </p:nvPicPr>
         <p:blipFill>
-          <a:blip r:embed="rId4"/>
+          <a:blip r:embed="rId5"/>
           <a:stretch>
             <a:fillRect/>
           </a:stretch>
@@ -10783,7 +10795,7 @@
           <p:nvPr/>
         </p:nvPicPr>
         <p:blipFill>
-          <a:blip r:embed="rId5"/>
+          <a:blip r:embed="rId6"/>
           <a:stretch>
             <a:fillRect/>
           </a:stretch>
@@ -11269,7 +11281,7 @@
         <p:spPr>
           <a:xfrm>
             <a:off x="249814" y="6315959"/>
-            <a:ext cx="3262432" cy="307777"/>
+            <a:ext cx="3278462" cy="523220"/>
           </a:xfrm>
           <a:prstGeom prst="rect">
             <a:avLst/>
@@ -11292,8 +11304,27 @@
               <a:rPr lang="es-VE" dirty="0">
                 <a:latin typeface="Raleway" panose="020B0604020202020204" charset="0"/>
               </a:rPr>
-              <a:t>: http://online-behavior.com/</a:t>
+              <a:t>: </a:t>
             </a:r>
+            <a:r>
+              <a:rPr lang="es-VE" dirty="0">
+                <a:latin typeface="Raleway" panose="020B0604020202020204" charset="0"/>
+                <a:hlinkClick r:id="rId4"/>
+              </a:rPr>
+              <a:t>http://online-behavior.</a:t>
+            </a:r>
+            <a:r>
+              <a:rPr lang="es-VE">
+                <a:latin typeface="Raleway" panose="020B0604020202020204" charset="0"/>
+                <a:hlinkClick r:id="rId4"/>
+              </a:rPr>
+              <a:t>com/</a:t>
+            </a:r>
+            <a:endParaRPr lang="es-VE">
+              <a:latin typeface="Raleway" panose="020B0604020202020204" charset="0"/>
+            </a:endParaRPr>
+          </a:p>
+          <a:p>
             <a:endParaRPr lang="en-US" dirty="0">
               <a:latin typeface="Raleway" panose="020B0604020202020204" charset="0"/>
             </a:endParaRPr>
@@ -11315,7 +11346,7 @@
           <p:nvPr/>
         </p:nvPicPr>
         <p:blipFill>
-          <a:blip r:embed="rId4"/>
+          <a:blip r:embed="rId5"/>
           <a:stretch>
             <a:fillRect/>
           </a:stretch>
@@ -11412,6 +11443,36 @@
           </a:p>
         </p:txBody>
       </p:sp>
+      <p:pic>
+        <p:nvPicPr>
+          <p:cNvPr id="5" name="Picture 4">
+            <a:extLst>
+              <a:ext uri="{FF2B5EF4-FFF2-40B4-BE49-F238E27FC236}">
+                <a16:creationId xmlns:a16="http://schemas.microsoft.com/office/drawing/2014/main" id="{E0D7EE69-135F-41AF-9D8F-A7244144343A}"/>
+              </a:ext>
+            </a:extLst>
+          </p:cNvPr>
+          <p:cNvPicPr>
+            <a:picLocks noChangeAspect="1"/>
+          </p:cNvPicPr>
+          <p:nvPr/>
+        </p:nvPicPr>
+        <p:blipFill>
+          <a:blip r:embed="rId6"/>
+          <a:stretch>
+            <a:fillRect/>
+          </a:stretch>
+        </p:blipFill>
+        <p:spPr>
+          <a:xfrm>
+            <a:off x="5238309" y="4978098"/>
+            <a:ext cx="2864576" cy="1861081"/>
+          </a:xfrm>
+          <a:prstGeom prst="rect">
+            <a:avLst/>
+          </a:prstGeom>
+        </p:spPr>
+      </p:pic>
     </p:spTree>
     <p:extLst>
       <p:ext uri="{BB962C8B-B14F-4D97-AF65-F5344CB8AC3E}">
